--- a/images/theory_analysis/Kubernetes_Calico/Kubernetes_Calico.pptx
+++ b/images/theory_analysis/Kubernetes_Calico/Kubernetes_Calico.pptx
@@ -110,7 +110,7 @@
   </p:defaultTextStyle>
   <p:extLst>
     <p:ext uri="{EFAFB233-063F-42B5-8137-9DF3F51BA10A}">
-      <p15:sldGuideLst xmlns:p15="http://schemas.microsoft.com/office/powerpoint/2012/main">
+      <p15:sldGuideLst xmlns:p15="http://schemas.microsoft.com/office/powerpoint/2012/main" xmlns="">
         <p15:guide id="1" orient="horz" pos="2160">
           <p15:clr>
             <a:srgbClr val="A4A3A4"/>
@@ -214,7 +214,7 @@
           <a:p>
             <a:fld id="{6CD5550B-26C4-49A9-A5BA-636EF7BE6CE9}" type="datetimeFigureOut">
               <a:rPr lang="ko-KR" altLang="en-US" smtClean="0"/>
-              <a:t>2018-07-31</a:t>
+              <a:t>2018-08-01</a:t>
             </a:fld>
             <a:endParaRPr lang="ko-KR" altLang="en-US"/>
           </a:p>
@@ -828,7 +828,7 @@
           <a:p>
             <a:fld id="{FB30EDBD-1C2D-4C1E-B459-B60219FAB484}" type="datetimeFigureOut">
               <a:rPr lang="ko-KR" altLang="en-US" smtClean="0"/>
-              <a:t>2018-07-31</a:t>
+              <a:t>2018-08-01</a:t>
             </a:fld>
             <a:endParaRPr lang="ko-KR" altLang="en-US"/>
           </a:p>
@@ -991,7 +991,7 @@
           <a:p>
             <a:fld id="{FB30EDBD-1C2D-4C1E-B459-B60219FAB484}" type="datetimeFigureOut">
               <a:rPr lang="ko-KR" altLang="en-US" smtClean="0"/>
-              <a:t>2018-07-31</a:t>
+              <a:t>2018-08-01</a:t>
             </a:fld>
             <a:endParaRPr lang="ko-KR" altLang="en-US"/>
           </a:p>
@@ -1164,7 +1164,7 @@
           <a:p>
             <a:fld id="{FB30EDBD-1C2D-4C1E-B459-B60219FAB484}" type="datetimeFigureOut">
               <a:rPr lang="ko-KR" altLang="en-US" smtClean="0"/>
-              <a:t>2018-07-31</a:t>
+              <a:t>2018-08-01</a:t>
             </a:fld>
             <a:endParaRPr lang="ko-KR" altLang="en-US"/>
           </a:p>
@@ -1327,7 +1327,7 @@
           <a:p>
             <a:fld id="{FB30EDBD-1C2D-4C1E-B459-B60219FAB484}" type="datetimeFigureOut">
               <a:rPr lang="ko-KR" altLang="en-US" smtClean="0"/>
-              <a:t>2018-07-31</a:t>
+              <a:t>2018-08-01</a:t>
             </a:fld>
             <a:endParaRPr lang="ko-KR" altLang="en-US"/>
           </a:p>
@@ -1567,7 +1567,7 @@
           <a:p>
             <a:fld id="{FB30EDBD-1C2D-4C1E-B459-B60219FAB484}" type="datetimeFigureOut">
               <a:rPr lang="ko-KR" altLang="en-US" smtClean="0"/>
-              <a:t>2018-07-31</a:t>
+              <a:t>2018-08-01</a:t>
             </a:fld>
             <a:endParaRPr lang="ko-KR" altLang="en-US"/>
           </a:p>
@@ -1847,7 +1847,7 @@
           <a:p>
             <a:fld id="{FB30EDBD-1C2D-4C1E-B459-B60219FAB484}" type="datetimeFigureOut">
               <a:rPr lang="ko-KR" altLang="en-US" smtClean="0"/>
-              <a:t>2018-07-31</a:t>
+              <a:t>2018-08-01</a:t>
             </a:fld>
             <a:endParaRPr lang="ko-KR" altLang="en-US"/>
           </a:p>
@@ -2261,7 +2261,7 @@
           <a:p>
             <a:fld id="{FB30EDBD-1C2D-4C1E-B459-B60219FAB484}" type="datetimeFigureOut">
               <a:rPr lang="ko-KR" altLang="en-US" smtClean="0"/>
-              <a:t>2018-07-31</a:t>
+              <a:t>2018-08-01</a:t>
             </a:fld>
             <a:endParaRPr lang="ko-KR" altLang="en-US"/>
           </a:p>
@@ -2373,7 +2373,7 @@
           <a:p>
             <a:fld id="{FB30EDBD-1C2D-4C1E-B459-B60219FAB484}" type="datetimeFigureOut">
               <a:rPr lang="ko-KR" altLang="en-US" smtClean="0"/>
-              <a:t>2018-07-31</a:t>
+              <a:t>2018-08-01</a:t>
             </a:fld>
             <a:endParaRPr lang="ko-KR" altLang="en-US"/>
           </a:p>
@@ -2463,7 +2463,7 @@
           <a:p>
             <a:fld id="{FB30EDBD-1C2D-4C1E-B459-B60219FAB484}" type="datetimeFigureOut">
               <a:rPr lang="ko-KR" altLang="en-US" smtClean="0"/>
-              <a:t>2018-07-31</a:t>
+              <a:t>2018-08-01</a:t>
             </a:fld>
             <a:endParaRPr lang="ko-KR" altLang="en-US"/>
           </a:p>
@@ -2733,7 +2733,7 @@
           <a:p>
             <a:fld id="{FB30EDBD-1C2D-4C1E-B459-B60219FAB484}" type="datetimeFigureOut">
               <a:rPr lang="ko-KR" altLang="en-US" smtClean="0"/>
-              <a:t>2018-07-31</a:t>
+              <a:t>2018-08-01</a:t>
             </a:fld>
             <a:endParaRPr lang="ko-KR" altLang="en-US"/>
           </a:p>
@@ -2980,7 +2980,7 @@
           <a:p>
             <a:fld id="{FB30EDBD-1C2D-4C1E-B459-B60219FAB484}" type="datetimeFigureOut">
               <a:rPr lang="ko-KR" altLang="en-US" smtClean="0"/>
-              <a:t>2018-07-31</a:t>
+              <a:t>2018-08-01</a:t>
             </a:fld>
             <a:endParaRPr lang="ko-KR" altLang="en-US"/>
           </a:p>
@@ -3186,7 +3186,7 @@
           <a:p>
             <a:fld id="{FB30EDBD-1C2D-4C1E-B459-B60219FAB484}" type="datetimeFigureOut">
               <a:rPr lang="ko-KR" altLang="en-US" smtClean="0"/>
-              <a:t>2018-07-31</a:t>
+              <a:t>2018-08-01</a:t>
             </a:fld>
             <a:endParaRPr lang="ko-KR" altLang="en-US"/>
           </a:p>
@@ -3591,7 +3591,7 @@
           <p:cNvPr id="24" name="모서리가 둥근 직사각형 44">
             <a:extLst>
               <a:ext uri="{FF2B5EF4-FFF2-40B4-BE49-F238E27FC236}">
-                <a16:creationId xmlns:a16="http://schemas.microsoft.com/office/drawing/2014/main" id="{2DBA49E2-5203-48AC-9D0B-4B3C58EE231E}"/>
+                <a16:creationId xmlns:a16="http://schemas.microsoft.com/office/drawing/2014/main" xmlns="" id="{2DBA49E2-5203-48AC-9D0B-4B3C58EE231E}"/>
               </a:ext>
             </a:extLst>
           </p:cNvPr>
@@ -3600,12 +3600,12 @@
         </p:nvSpPr>
         <p:spPr>
           <a:xfrm>
-            <a:off x="827584" y="1995686"/>
-            <a:ext cx="4896544" cy="1872208"/>
+            <a:off x="1547664" y="1203598"/>
+            <a:ext cx="2520652" cy="3137526"/>
           </a:xfrm>
           <a:prstGeom prst="roundRect">
             <a:avLst>
-              <a:gd name="adj" fmla="val 6195"/>
+              <a:gd name="adj" fmla="val 4480"/>
             </a:avLst>
           </a:prstGeom>
           <a:ln/>
@@ -3630,7 +3630,7 @@
           <a:p>
             <a:pPr algn="ctr"/>
             <a:r>
-              <a:rPr lang="en-US" altLang="ko-KR" sz="1600" dirty="0"/>
+              <a:rPr lang="en-US" altLang="ko-KR" sz="1600" dirty="0" smtClean="0"/>
               <a:t>Node</a:t>
             </a:r>
             <a:endParaRPr lang="ko-KR" altLang="en-US" sz="1600" dirty="0"/>
@@ -3642,7 +3642,7 @@
           <p:cNvPr id="27" name="모서리가 둥근 직사각형 55">
             <a:extLst>
               <a:ext uri="{FF2B5EF4-FFF2-40B4-BE49-F238E27FC236}">
-                <a16:creationId xmlns:a16="http://schemas.microsoft.com/office/drawing/2014/main" id="{0FB88AC0-5E25-4C22-9F9F-FF062E2DDB6A}"/>
+                <a16:creationId xmlns:a16="http://schemas.microsoft.com/office/drawing/2014/main" xmlns="" id="{0FB88AC0-5E25-4C22-9F9F-FF062E2DDB6A}"/>
               </a:ext>
             </a:extLst>
           </p:cNvPr>
@@ -3651,12 +3651,12 @@
         </p:nvSpPr>
         <p:spPr>
           <a:xfrm>
-            <a:off x="941174" y="2100734"/>
-            <a:ext cx="4638938" cy="1335112"/>
+            <a:off x="1655862" y="1297304"/>
+            <a:ext cx="2304256" cy="2611772"/>
           </a:xfrm>
           <a:prstGeom prst="roundRect">
             <a:avLst>
-              <a:gd name="adj" fmla="val 6195"/>
+              <a:gd name="adj" fmla="val 4067"/>
             </a:avLst>
           </a:prstGeom>
           <a:ln/>
@@ -3681,15 +3681,27 @@
           <a:p>
             <a:pPr algn="ctr"/>
             <a:r>
-              <a:rPr lang="en-US" altLang="ko-KR" sz="1400" b="1"/>
-              <a:t>calico-node Container</a:t>
+              <a:rPr lang="en-US" altLang="ko-KR" sz="1400" b="1" dirty="0" smtClean="0"/>
+              <a:t>c</a:t>
+            </a:r>
+            <a:r>
+              <a:rPr lang="en-US" altLang="ko-KR" sz="1400" b="1" dirty="0" smtClean="0"/>
+              <a:t>alico-node </a:t>
+            </a:r>
+            <a:r>
+              <a:rPr lang="en-US" altLang="ko-KR" sz="1400" b="1" dirty="0"/>
+              <a:t>Container</a:t>
             </a:r>
           </a:p>
           <a:p>
             <a:pPr algn="ctr"/>
             <a:r>
-              <a:rPr lang="en-US" altLang="ko-KR" sz="1400" b="1"/>
-              <a:t>(Use Host Network Namespace)</a:t>
+              <a:rPr lang="en-US" altLang="ko-KR" sz="1200" b="1" dirty="0" smtClean="0"/>
+              <a:t>(Host Network Namespace</a:t>
+            </a:r>
+            <a:r>
+              <a:rPr lang="en-US" altLang="ko-KR" sz="1200" b="1" dirty="0"/>
+              <a:t>)</a:t>
             </a:r>
           </a:p>
         </p:txBody>
@@ -3699,7 +3711,7 @@
           <p:cNvPr id="43" name="모서리가 둥근 직사각형 75">
             <a:extLst>
               <a:ext uri="{FF2B5EF4-FFF2-40B4-BE49-F238E27FC236}">
-                <a16:creationId xmlns:a16="http://schemas.microsoft.com/office/drawing/2014/main" id="{9DEDB479-C1E5-4779-9F62-829F1D8593EE}"/>
+                <a16:creationId xmlns:a16="http://schemas.microsoft.com/office/drawing/2014/main" xmlns="" id="{9DEDB479-C1E5-4779-9F62-829F1D8593EE}"/>
               </a:ext>
             </a:extLst>
           </p:cNvPr>
@@ -3708,8 +3720,8 @@
         </p:nvSpPr>
         <p:spPr>
           <a:xfrm>
-            <a:off x="2555776" y="2211710"/>
-            <a:ext cx="1409734" cy="576064"/>
+            <a:off x="1769452" y="2769934"/>
+            <a:ext cx="2046650" cy="576064"/>
           </a:xfrm>
           <a:prstGeom prst="roundRect">
             <a:avLst>
@@ -3738,7 +3750,7 @@
           <a:p>
             <a:pPr algn="ctr"/>
             <a:r>
-              <a:rPr lang="en-US" altLang="ko-KR" sz="1400"/>
+              <a:rPr lang="en-US" altLang="ko-KR" sz="1400" dirty="0" err="1"/>
               <a:t>confd</a:t>
             </a:r>
             <a:endParaRPr lang="ko-KR" altLang="en-US" sz="1400" dirty="0"/>
@@ -3750,7 +3762,7 @@
           <p:cNvPr id="45" name="모서리가 둥근 직사각형 75">
             <a:extLst>
               <a:ext uri="{FF2B5EF4-FFF2-40B4-BE49-F238E27FC236}">
-                <a16:creationId xmlns:a16="http://schemas.microsoft.com/office/drawing/2014/main" id="{07DA784D-B34A-413D-A378-7A7B113637C1}"/>
+                <a16:creationId xmlns:a16="http://schemas.microsoft.com/office/drawing/2014/main" xmlns="" id="{07DA784D-B34A-413D-A378-7A7B113637C1}"/>
               </a:ext>
             </a:extLst>
           </p:cNvPr>
@@ -3759,8 +3771,8 @@
         </p:nvSpPr>
         <p:spPr>
           <a:xfrm>
-            <a:off x="1027261" y="2211710"/>
-            <a:ext cx="1409734" cy="576064"/>
+            <a:off x="1769452" y="1416230"/>
+            <a:ext cx="2046650" cy="576064"/>
           </a:xfrm>
           <a:prstGeom prst="roundRect">
             <a:avLst>
@@ -3801,7 +3813,7 @@
           <p:cNvPr id="46" name="모서리가 둥근 직사각형 75">
             <a:extLst>
               <a:ext uri="{FF2B5EF4-FFF2-40B4-BE49-F238E27FC236}">
-                <a16:creationId xmlns:a16="http://schemas.microsoft.com/office/drawing/2014/main" id="{2EBEE14D-89BD-4822-AD15-7105D7141912}"/>
+                <a16:creationId xmlns:a16="http://schemas.microsoft.com/office/drawing/2014/main" xmlns="" id="{2EBEE14D-89BD-4822-AD15-7105D7141912}"/>
               </a:ext>
             </a:extLst>
           </p:cNvPr>
@@ -3810,8 +3822,8 @@
         </p:nvSpPr>
         <p:spPr>
           <a:xfrm>
-            <a:off x="4079100" y="2211710"/>
-            <a:ext cx="1409734" cy="576064"/>
+            <a:off x="1769452" y="2094310"/>
+            <a:ext cx="2046650" cy="576064"/>
           </a:xfrm>
           <a:prstGeom prst="roundRect">
             <a:avLst>
@@ -3840,8 +3852,376 @@
           <a:p>
             <a:pPr algn="ctr"/>
             <a:r>
-              <a:rPr lang="en-US" altLang="ko-KR" sz="1400"/>
-              <a:t>calico-felix</a:t>
+              <a:rPr lang="en-US" altLang="ko-KR" sz="1400" dirty="0"/>
+              <a:t>calico-</a:t>
+            </a:r>
+            <a:r>
+              <a:rPr lang="en-US" altLang="ko-KR" sz="1400" dirty="0" err="1"/>
+              <a:t>felix</a:t>
+            </a:r>
+            <a:endParaRPr lang="ko-KR" altLang="en-US" sz="1400" dirty="0"/>
+          </a:p>
+        </p:txBody>
+      </p:sp>
+      <p:sp>
+        <p:nvSpPr>
+          <p:cNvPr id="8" name="모서리가 둥근 직사각형 75">
+            <a:extLst>
+              <a:ext uri="{FF2B5EF4-FFF2-40B4-BE49-F238E27FC236}">
+                <a16:creationId xmlns:a16="http://schemas.microsoft.com/office/drawing/2014/main" xmlns="" id="{9DEDB479-C1E5-4779-9F62-829F1D8593EE}"/>
+              </a:ext>
+            </a:extLst>
+          </p:cNvPr>
+          <p:cNvSpPr/>
+          <p:nvPr/>
+        </p:nvSpPr>
+        <p:spPr>
+          <a:xfrm>
+            <a:off x="4716016" y="2937148"/>
+            <a:ext cx="1152128" cy="1403976"/>
+          </a:xfrm>
+          <a:prstGeom prst="roundRect">
+            <a:avLst>
+              <a:gd name="adj" fmla="val 8720"/>
+            </a:avLst>
+          </a:prstGeom>
+          <a:ln/>
+        </p:spPr>
+        <p:style>
+          <a:lnRef idx="2">
+            <a:schemeClr val="dk1"/>
+          </a:lnRef>
+          <a:fillRef idx="1">
+            <a:schemeClr val="lt1"/>
+          </a:fillRef>
+          <a:effectRef idx="0">
+            <a:schemeClr val="dk1"/>
+          </a:effectRef>
+          <a:fontRef idx="minor">
+            <a:schemeClr val="dk1"/>
+          </a:fontRef>
+        </p:style>
+        <p:txBody>
+          <a:bodyPr rtlCol="0" anchor="ctr"/>
+          <a:lstStyle/>
+          <a:p>
+            <a:pPr algn="ctr"/>
+            <a:r>
+              <a:rPr lang="en-US" altLang="ko-KR" sz="1400" dirty="0" err="1" smtClean="0"/>
+              <a:t>etcd</a:t>
+            </a:r>
+            <a:endParaRPr lang="ko-KR" altLang="en-US" sz="1400" dirty="0"/>
+          </a:p>
+        </p:txBody>
+      </p:sp>
+      <p:cxnSp>
+        <p:nvCxnSpPr>
+          <p:cNvPr id="3" name="직선 화살표 연결선 2"/>
+          <p:cNvCxnSpPr>
+            <a:stCxn id="43" idx="3"/>
+            <a:endCxn id="8" idx="1"/>
+          </p:cNvCxnSpPr>
+          <p:nvPr/>
+        </p:nvCxnSpPr>
+        <p:spPr>
+          <a:xfrm>
+            <a:off x="3816102" y="3057966"/>
+            <a:ext cx="899914" cy="581170"/>
+          </a:xfrm>
+          <a:prstGeom prst="straightConnector1">
+            <a:avLst/>
+          </a:prstGeom>
+          <a:ln w="19050">
+            <a:solidFill>
+              <a:schemeClr val="tx1"/>
+            </a:solidFill>
+            <a:headEnd type="arrow" w="med" len="med"/>
+            <a:tailEnd type="arrow" w="med" len="med"/>
+          </a:ln>
+        </p:spPr>
+        <p:style>
+          <a:lnRef idx="1">
+            <a:schemeClr val="accent1"/>
+          </a:lnRef>
+          <a:fillRef idx="0">
+            <a:schemeClr val="accent1"/>
+          </a:fillRef>
+          <a:effectRef idx="0">
+            <a:schemeClr val="accent1"/>
+          </a:effectRef>
+          <a:fontRef idx="minor">
+            <a:schemeClr val="tx1"/>
+          </a:fontRef>
+        </p:style>
+      </p:cxnSp>
+      <p:cxnSp>
+        <p:nvCxnSpPr>
+          <p:cNvPr id="16" name="직선 화살표 연결선 15"/>
+          <p:cNvCxnSpPr>
+            <a:stCxn id="46" idx="3"/>
+            <a:endCxn id="8" idx="1"/>
+          </p:cNvCxnSpPr>
+          <p:nvPr/>
+        </p:nvCxnSpPr>
+        <p:spPr>
+          <a:xfrm>
+            <a:off x="3816102" y="2382342"/>
+            <a:ext cx="899914" cy="1256794"/>
+          </a:xfrm>
+          <a:prstGeom prst="straightConnector1">
+            <a:avLst/>
+          </a:prstGeom>
+          <a:ln w="19050">
+            <a:solidFill>
+              <a:schemeClr val="tx1"/>
+            </a:solidFill>
+            <a:headEnd type="arrow" w="med" len="med"/>
+            <a:tailEnd type="arrow" w="med" len="med"/>
+          </a:ln>
+        </p:spPr>
+        <p:style>
+          <a:lnRef idx="1">
+            <a:schemeClr val="accent1"/>
+          </a:lnRef>
+          <a:fillRef idx="0">
+            <a:schemeClr val="accent1"/>
+          </a:fillRef>
+          <a:effectRef idx="0">
+            <a:schemeClr val="accent1"/>
+          </a:effectRef>
+          <a:fontRef idx="minor">
+            <a:schemeClr val="tx1"/>
+          </a:fontRef>
+        </p:style>
+      </p:cxnSp>
+      <p:sp>
+        <p:nvSpPr>
+          <p:cNvPr id="23" name="모서리가 둥근 직사각형 75">
+            <a:extLst>
+              <a:ext uri="{FF2B5EF4-FFF2-40B4-BE49-F238E27FC236}">
+                <a16:creationId xmlns:a16="http://schemas.microsoft.com/office/drawing/2014/main" xmlns="" id="{9DEDB479-C1E5-4779-9F62-829F1D8593EE}"/>
+              </a:ext>
+            </a:extLst>
+          </p:cNvPr>
+          <p:cNvSpPr/>
+          <p:nvPr/>
+        </p:nvSpPr>
+        <p:spPr>
+          <a:xfrm>
+            <a:off x="4716016" y="1203598"/>
+            <a:ext cx="1152128" cy="1403976"/>
+          </a:xfrm>
+          <a:prstGeom prst="roundRect">
+            <a:avLst>
+              <a:gd name="adj" fmla="val 8720"/>
+            </a:avLst>
+          </a:prstGeom>
+          <a:ln/>
+        </p:spPr>
+        <p:style>
+          <a:lnRef idx="2">
+            <a:schemeClr val="dk1"/>
+          </a:lnRef>
+          <a:fillRef idx="1">
+            <a:schemeClr val="lt1"/>
+          </a:fillRef>
+          <a:effectRef idx="0">
+            <a:schemeClr val="dk1"/>
+          </a:effectRef>
+          <a:fontRef idx="minor">
+            <a:schemeClr val="dk1"/>
+          </a:fontRef>
+        </p:style>
+        <p:txBody>
+          <a:bodyPr rtlCol="0" anchor="ctr"/>
+          <a:lstStyle/>
+          <a:p>
+            <a:pPr algn="ctr"/>
+            <a:r>
+              <a:rPr lang="en-US" altLang="ko-KR" sz="1400" dirty="0" smtClean="0"/>
+              <a:t>Route</a:t>
+            </a:r>
+          </a:p>
+          <a:p>
+            <a:pPr algn="ctr"/>
+            <a:r>
+              <a:rPr lang="en-US" altLang="ko-KR" sz="1400" dirty="0" smtClean="0"/>
+              <a:t>Reflector</a:t>
+            </a:r>
+            <a:endParaRPr lang="ko-KR" altLang="en-US" sz="1400" dirty="0"/>
+          </a:p>
+        </p:txBody>
+      </p:sp>
+      <p:cxnSp>
+        <p:nvCxnSpPr>
+          <p:cNvPr id="26" name="직선 화살표 연결선 25"/>
+          <p:cNvCxnSpPr>
+            <a:stCxn id="45" idx="3"/>
+            <a:endCxn id="23" idx="1"/>
+          </p:cNvCxnSpPr>
+          <p:nvPr/>
+        </p:nvCxnSpPr>
+        <p:spPr>
+          <a:xfrm>
+            <a:off x="3816102" y="1704262"/>
+            <a:ext cx="899914" cy="201324"/>
+          </a:xfrm>
+          <a:prstGeom prst="straightConnector1">
+            <a:avLst/>
+          </a:prstGeom>
+          <a:ln w="19050">
+            <a:solidFill>
+              <a:schemeClr val="tx1"/>
+            </a:solidFill>
+            <a:headEnd type="arrow" w="med" len="med"/>
+            <a:tailEnd type="arrow" w="med" len="med"/>
+          </a:ln>
+        </p:spPr>
+        <p:style>
+          <a:lnRef idx="1">
+            <a:schemeClr val="accent1"/>
+          </a:lnRef>
+          <a:fillRef idx="0">
+            <a:schemeClr val="accent1"/>
+          </a:fillRef>
+          <a:effectRef idx="0">
+            <a:schemeClr val="accent1"/>
+          </a:effectRef>
+          <a:fontRef idx="minor">
+            <a:schemeClr val="tx1"/>
+          </a:fontRef>
+        </p:style>
+      </p:cxnSp>
+      <p:pic>
+        <p:nvPicPr>
+          <p:cNvPr id="30" name="Picture 2" descr="C:\Users\Tmax\Desktop\Network-Router-icon.png"/>
+          <p:cNvPicPr>
+            <a:picLocks noChangeAspect="1" noChangeArrowheads="1"/>
+          </p:cNvPicPr>
+          <p:nvPr/>
+        </p:nvPicPr>
+        <p:blipFill>
+          <a:blip r:embed="rId3" cstate="print">
+            <a:extLst>
+              <a:ext uri="{28A0092B-C50C-407E-A947-70E740481C1C}">
+                <a14:useLocalDpi xmlns:a14="http://schemas.microsoft.com/office/drawing/2010/main" val="0"/>
+              </a:ext>
+            </a:extLst>
+          </a:blip>
+          <a:srcRect/>
+          <a:stretch>
+            <a:fillRect/>
+          </a:stretch>
+        </p:blipFill>
+        <p:spPr bwMode="auto">
+          <a:xfrm>
+            <a:off x="6775955" y="2427734"/>
+            <a:ext cx="604357" cy="576398"/>
+          </a:xfrm>
+          <a:prstGeom prst="rect">
+            <a:avLst/>
+          </a:prstGeom>
+          <a:noFill/>
+          <a:extLst>
+            <a:ext uri="{909E8E84-426E-40DD-AFC4-6F175D3DCCD1}">
+              <a14:hiddenFill xmlns:a14="http://schemas.microsoft.com/office/drawing/2010/main">
+                <a:solidFill>
+                  <a:srgbClr val="FFFFFF"/>
+                </a:solidFill>
+              </a14:hiddenFill>
+            </a:ext>
+          </a:extLst>
+        </p:spPr>
+      </p:pic>
+      <p:cxnSp>
+        <p:nvCxnSpPr>
+          <p:cNvPr id="31" name="직선 화살표 연결선 30"/>
+          <p:cNvCxnSpPr>
+            <a:stCxn id="23" idx="3"/>
+            <a:endCxn id="30" idx="1"/>
+          </p:cNvCxnSpPr>
+          <p:nvPr/>
+        </p:nvCxnSpPr>
+        <p:spPr>
+          <a:xfrm>
+            <a:off x="5868144" y="1905586"/>
+            <a:ext cx="907811" cy="810347"/>
+          </a:xfrm>
+          <a:prstGeom prst="straightConnector1">
+            <a:avLst/>
+          </a:prstGeom>
+          <a:ln w="19050">
+            <a:solidFill>
+              <a:schemeClr val="tx1"/>
+            </a:solidFill>
+            <a:headEnd type="arrow" w="med" len="med"/>
+            <a:tailEnd type="arrow" w="med" len="med"/>
+          </a:ln>
+        </p:spPr>
+        <p:style>
+          <a:lnRef idx="1">
+            <a:schemeClr val="accent1"/>
+          </a:lnRef>
+          <a:fillRef idx="0">
+            <a:schemeClr val="accent1"/>
+          </a:fillRef>
+          <a:effectRef idx="0">
+            <a:schemeClr val="accent1"/>
+          </a:effectRef>
+          <a:fontRef idx="minor">
+            <a:schemeClr val="tx1"/>
+          </a:fontRef>
+        </p:style>
+      </p:cxnSp>
+      <p:sp>
+        <p:nvSpPr>
+          <p:cNvPr id="34" name="모서리가 둥근 직사각형 44">
+            <a:extLst>
+              <a:ext uri="{FF2B5EF4-FFF2-40B4-BE49-F238E27FC236}">
+                <a16:creationId xmlns:a16="http://schemas.microsoft.com/office/drawing/2014/main" xmlns="" id="{2DBA49E2-5203-48AC-9D0B-4B3C58EE231E}"/>
+              </a:ext>
+            </a:extLst>
+          </p:cNvPr>
+          <p:cNvSpPr/>
+          <p:nvPr/>
+        </p:nvSpPr>
+        <p:spPr>
+          <a:xfrm>
+            <a:off x="6127882" y="3003798"/>
+            <a:ext cx="1900502" cy="278927"/>
+          </a:xfrm>
+          <a:prstGeom prst="roundRect">
+            <a:avLst>
+              <a:gd name="adj" fmla="val 6195"/>
+            </a:avLst>
+          </a:prstGeom>
+          <a:noFill/>
+          <a:ln>
+            <a:noFill/>
+          </a:ln>
+        </p:spPr>
+        <p:style>
+          <a:lnRef idx="2">
+            <a:schemeClr val="dk1"/>
+          </a:lnRef>
+          <a:fillRef idx="1">
+            <a:schemeClr val="lt1"/>
+          </a:fillRef>
+          <a:effectRef idx="0">
+            <a:schemeClr val="dk1"/>
+          </a:effectRef>
+          <a:fontRef idx="minor">
+            <a:schemeClr val="dk1"/>
+          </a:fontRef>
+        </p:style>
+        <p:txBody>
+          <a:bodyPr rtlCol="0" anchor="ctr"/>
+          <a:lstStyle/>
+          <a:p>
+            <a:pPr algn="ctr"/>
+            <a:r>
+              <a:rPr lang="en-US" altLang="ko-KR" sz="1400" dirty="0" smtClean="0"/>
+              <a:t>Router</a:t>
             </a:r>
             <a:endParaRPr lang="ko-KR" altLang="en-US" sz="1400" dirty="0"/>
           </a:p>
@@ -3900,10 +4280,1634 @@
           <a:lstStyle/>
           <a:p>
             <a:r>
-              <a:rPr lang="en-US" altLang="ko-KR"/>
-              <a:t>Calico Network</a:t>
+              <a:rPr lang="en-US" altLang="ko-KR" dirty="0"/>
+              <a:t>Calico </a:t>
+            </a:r>
+            <a:r>
+              <a:rPr lang="en-US" altLang="ko-KR" dirty="0" smtClean="0"/>
+              <a:t>Network with IP-in-IP</a:t>
             </a:r>
             <a:endParaRPr lang="ko-KR" altLang="en-US" dirty="0"/>
+          </a:p>
+        </p:txBody>
+      </p:sp>
+      <p:sp>
+        <p:nvSpPr>
+          <p:cNvPr id="3" name="모서리가 둥근 직사각형 44">
+            <a:extLst>
+              <a:ext uri="{FF2B5EF4-FFF2-40B4-BE49-F238E27FC236}">
+                <a16:creationId xmlns:a16="http://schemas.microsoft.com/office/drawing/2014/main" xmlns="" id="{2DBA49E2-5203-48AC-9D0B-4B3C58EE231E}"/>
+              </a:ext>
+            </a:extLst>
+          </p:cNvPr>
+          <p:cNvSpPr/>
+          <p:nvPr/>
+        </p:nvSpPr>
+        <p:spPr>
+          <a:xfrm>
+            <a:off x="683568" y="843558"/>
+            <a:ext cx="3456384" cy="3528392"/>
+          </a:xfrm>
+          <a:prstGeom prst="roundRect">
+            <a:avLst>
+              <a:gd name="adj" fmla="val 1946"/>
+            </a:avLst>
+          </a:prstGeom>
+          <a:ln/>
+        </p:spPr>
+        <p:style>
+          <a:lnRef idx="2">
+            <a:schemeClr val="dk1"/>
+          </a:lnRef>
+          <a:fillRef idx="1">
+            <a:schemeClr val="lt1"/>
+          </a:fillRef>
+          <a:effectRef idx="0">
+            <a:schemeClr val="dk1"/>
+          </a:effectRef>
+          <a:fontRef idx="minor">
+            <a:schemeClr val="dk1"/>
+          </a:fontRef>
+        </p:style>
+        <p:txBody>
+          <a:bodyPr rtlCol="0" anchor="b"/>
+          <a:lstStyle/>
+          <a:p>
+            <a:r>
+              <a:rPr lang="en-US" altLang="ko-KR" sz="1600" b="1" dirty="0" smtClean="0"/>
+              <a:t>Node </a:t>
+            </a:r>
+          </a:p>
+          <a:p>
+            <a:r>
+              <a:rPr lang="en-US" altLang="ko-KR" sz="1600" b="1" dirty="0" smtClean="0"/>
+              <a:t>(192.168.2.0/24)</a:t>
+            </a:r>
+            <a:endParaRPr lang="ko-KR" altLang="en-US" sz="1600" b="1" dirty="0"/>
+          </a:p>
+        </p:txBody>
+      </p:sp>
+      <p:sp>
+        <p:nvSpPr>
+          <p:cNvPr id="4" name="모서리가 둥근 직사각형 44">
+            <a:extLst>
+              <a:ext uri="{FF2B5EF4-FFF2-40B4-BE49-F238E27FC236}">
+                <a16:creationId xmlns:a16="http://schemas.microsoft.com/office/drawing/2014/main" xmlns="" id="{2DBA49E2-5203-48AC-9D0B-4B3C58EE231E}"/>
+              </a:ext>
+            </a:extLst>
+          </p:cNvPr>
+          <p:cNvSpPr/>
+          <p:nvPr/>
+        </p:nvSpPr>
+        <p:spPr>
+          <a:xfrm>
+            <a:off x="827584" y="987574"/>
+            <a:ext cx="3168352" cy="720080"/>
+          </a:xfrm>
+          <a:prstGeom prst="roundRect">
+            <a:avLst>
+              <a:gd name="adj" fmla="val 6195"/>
+            </a:avLst>
+          </a:prstGeom>
+          <a:ln/>
+        </p:spPr>
+        <p:style>
+          <a:lnRef idx="2">
+            <a:schemeClr val="dk1"/>
+          </a:lnRef>
+          <a:fillRef idx="1">
+            <a:schemeClr val="lt1"/>
+          </a:fillRef>
+          <a:effectRef idx="0">
+            <a:schemeClr val="dk1"/>
+          </a:effectRef>
+          <a:fontRef idx="minor">
+            <a:schemeClr val="dk1"/>
+          </a:fontRef>
+        </p:style>
+        <p:txBody>
+          <a:bodyPr rtlCol="0" anchor="t"/>
+          <a:lstStyle/>
+          <a:p>
+            <a:pPr algn="ctr"/>
+            <a:r>
+              <a:rPr lang="en-US" altLang="ko-KR" sz="1600" dirty="0" smtClean="0"/>
+              <a:t>Container A </a:t>
+            </a:r>
+            <a:endParaRPr lang="ko-KR" altLang="en-US" sz="1600" dirty="0"/>
+          </a:p>
+        </p:txBody>
+      </p:sp>
+      <p:graphicFrame>
+        <p:nvGraphicFramePr>
+          <p:cNvPr id="2" name="표 1"/>
+          <p:cNvGraphicFramePr>
+            <a:graphicFrameLocks noGrp="1"/>
+          </p:cNvGraphicFramePr>
+          <p:nvPr>
+            <p:extLst>
+              <p:ext uri="{D42A27DB-BD31-4B8C-83A1-F6EECF244321}">
+                <p14:modId xmlns:p14="http://schemas.microsoft.com/office/powerpoint/2010/main" val="611964664"/>
+              </p:ext>
+            </p:extLst>
+          </p:nvPr>
+        </p:nvGraphicFramePr>
+        <p:xfrm>
+          <a:off x="899592" y="2355726"/>
+          <a:ext cx="3024336" cy="1112520"/>
+        </p:xfrm>
+        <a:graphic>
+          <a:graphicData uri="http://schemas.openxmlformats.org/drawingml/2006/table">
+            <a:tbl>
+              <a:tblPr firstRow="1" bandRow="1">
+                <a:tableStyleId>{2D5ABB26-0587-4C30-8999-92F81FD0307C}</a:tableStyleId>
+              </a:tblPr>
+              <a:tblGrid>
+                <a:gridCol w="1512168"/>
+                <a:gridCol w="1512168"/>
+              </a:tblGrid>
+              <a:tr h="370840">
+                <a:tc>
+                  <a:txBody>
+                    <a:bodyPr/>
+                    <a:lstStyle/>
+                    <a:p>
+                      <a:pPr latinLnBrk="1"/>
+                      <a:r>
+                        <a:rPr lang="en-US" altLang="ko-KR" sz="1400" dirty="0" smtClean="0"/>
+                        <a:t>10.0.0.1/24</a:t>
+                      </a:r>
+                      <a:endParaRPr lang="ko-KR" altLang="en-US" sz="1400" dirty="0"/>
+                    </a:p>
+                  </a:txBody>
+                  <a:tcPr>
+                    <a:lnL w="19050" cap="flat" cmpd="sng" algn="ctr">
+                      <a:solidFill>
+                        <a:schemeClr val="tx1"/>
+                      </a:solidFill>
+                      <a:prstDash val="solid"/>
+                      <a:round/>
+                      <a:headEnd type="none" w="med" len="med"/>
+                      <a:tailEnd type="none" w="med" len="med"/>
+                    </a:lnL>
+                    <a:lnR w="19050" cap="flat" cmpd="sng" algn="ctr">
+                      <a:solidFill>
+                        <a:schemeClr val="tx1"/>
+                      </a:solidFill>
+                      <a:prstDash val="solid"/>
+                      <a:round/>
+                      <a:headEnd type="none" w="med" len="med"/>
+                      <a:tailEnd type="none" w="med" len="med"/>
+                    </a:lnR>
+                    <a:lnT w="19050" cap="flat" cmpd="sng" algn="ctr">
+                      <a:solidFill>
+                        <a:schemeClr val="tx1"/>
+                      </a:solidFill>
+                      <a:prstDash val="solid"/>
+                      <a:round/>
+                      <a:headEnd type="none" w="med" len="med"/>
+                      <a:tailEnd type="none" w="med" len="med"/>
+                    </a:lnT>
+                    <a:lnB w="19050" cap="flat" cmpd="sng" algn="ctr">
+                      <a:solidFill>
+                        <a:schemeClr val="tx1"/>
+                      </a:solidFill>
+                      <a:prstDash val="solid"/>
+                      <a:round/>
+                      <a:headEnd type="none" w="med" len="med"/>
+                      <a:tailEnd type="none" w="med" len="med"/>
+                    </a:lnB>
+                  </a:tcPr>
+                </a:tc>
+                <a:tc>
+                  <a:txBody>
+                    <a:bodyPr/>
+                    <a:lstStyle/>
+                    <a:p>
+                      <a:pPr latinLnBrk="1"/>
+                      <a:r>
+                        <a:rPr lang="en-US" altLang="ko-KR" sz="1400" dirty="0" err="1" smtClean="0"/>
+                        <a:t>eth0</a:t>
+                      </a:r>
+                      <a:endParaRPr lang="ko-KR" altLang="en-US" sz="1400" dirty="0"/>
+                    </a:p>
+                  </a:txBody>
+                  <a:tcPr>
+                    <a:lnL w="19050" cap="flat" cmpd="sng" algn="ctr">
+                      <a:solidFill>
+                        <a:schemeClr val="tx1"/>
+                      </a:solidFill>
+                      <a:prstDash val="solid"/>
+                      <a:round/>
+                      <a:headEnd type="none" w="med" len="med"/>
+                      <a:tailEnd type="none" w="med" len="med"/>
+                    </a:lnL>
+                    <a:lnR w="19050" cap="flat" cmpd="sng" algn="ctr">
+                      <a:solidFill>
+                        <a:schemeClr val="tx1"/>
+                      </a:solidFill>
+                      <a:prstDash val="solid"/>
+                      <a:round/>
+                      <a:headEnd type="none" w="med" len="med"/>
+                      <a:tailEnd type="none" w="med" len="med"/>
+                    </a:lnR>
+                    <a:lnT w="19050" cap="flat" cmpd="sng" algn="ctr">
+                      <a:solidFill>
+                        <a:schemeClr val="tx1"/>
+                      </a:solidFill>
+                      <a:prstDash val="solid"/>
+                      <a:round/>
+                      <a:headEnd type="none" w="med" len="med"/>
+                      <a:tailEnd type="none" w="med" len="med"/>
+                    </a:lnT>
+                    <a:lnB w="19050" cap="flat" cmpd="sng" algn="ctr">
+                      <a:solidFill>
+                        <a:schemeClr val="tx1"/>
+                      </a:solidFill>
+                      <a:prstDash val="solid"/>
+                      <a:round/>
+                      <a:headEnd type="none" w="med" len="med"/>
+                      <a:tailEnd type="none" w="med" len="med"/>
+                    </a:lnB>
+                  </a:tcPr>
+                </a:tc>
+              </a:tr>
+              <a:tr h="370840">
+                <a:tc>
+                  <a:txBody>
+                    <a:bodyPr/>
+                    <a:lstStyle/>
+                    <a:p>
+                      <a:pPr latinLnBrk="1"/>
+                      <a:r>
+                        <a:rPr lang="en-US" altLang="ko-KR" sz="1400" dirty="0" smtClean="0"/>
+                        <a:t>192.168.3.0/24</a:t>
+                      </a:r>
+                      <a:endParaRPr lang="ko-KR" altLang="en-US" sz="1400" dirty="0"/>
+                    </a:p>
+                  </a:txBody>
+                  <a:tcPr>
+                    <a:lnL w="19050" cap="flat" cmpd="sng" algn="ctr">
+                      <a:solidFill>
+                        <a:schemeClr val="tx1"/>
+                      </a:solidFill>
+                      <a:prstDash val="solid"/>
+                      <a:round/>
+                      <a:headEnd type="none" w="med" len="med"/>
+                      <a:tailEnd type="none" w="med" len="med"/>
+                    </a:lnL>
+                    <a:lnR w="19050" cap="flat" cmpd="sng" algn="ctr">
+                      <a:solidFill>
+                        <a:schemeClr val="tx1"/>
+                      </a:solidFill>
+                      <a:prstDash val="solid"/>
+                      <a:round/>
+                      <a:headEnd type="none" w="med" len="med"/>
+                      <a:tailEnd type="none" w="med" len="med"/>
+                    </a:lnR>
+                    <a:lnT w="19050" cap="flat" cmpd="sng" algn="ctr">
+                      <a:solidFill>
+                        <a:schemeClr val="tx1"/>
+                      </a:solidFill>
+                      <a:prstDash val="solid"/>
+                      <a:round/>
+                      <a:headEnd type="none" w="med" len="med"/>
+                      <a:tailEnd type="none" w="med" len="med"/>
+                    </a:lnT>
+                    <a:lnB w="19050" cap="flat" cmpd="sng" algn="ctr">
+                      <a:solidFill>
+                        <a:schemeClr val="tx1"/>
+                      </a:solidFill>
+                      <a:prstDash val="solid"/>
+                      <a:round/>
+                      <a:headEnd type="none" w="med" len="med"/>
+                      <a:tailEnd type="none" w="med" len="med"/>
+                    </a:lnB>
+                  </a:tcPr>
+                </a:tc>
+                <a:tc>
+                  <a:txBody>
+                    <a:bodyPr/>
+                    <a:lstStyle/>
+                    <a:p>
+                      <a:pPr latinLnBrk="1"/>
+                      <a:r>
+                        <a:rPr lang="en-US" altLang="ko-KR" sz="1400" dirty="0" err="1" smtClean="0"/>
+                        <a:t>tunl0</a:t>
+                      </a:r>
+                      <a:endParaRPr lang="ko-KR" altLang="en-US" sz="1400" dirty="0"/>
+                    </a:p>
+                  </a:txBody>
+                  <a:tcPr>
+                    <a:lnL w="19050" cap="flat" cmpd="sng" algn="ctr">
+                      <a:solidFill>
+                        <a:schemeClr val="tx1"/>
+                      </a:solidFill>
+                      <a:prstDash val="solid"/>
+                      <a:round/>
+                      <a:headEnd type="none" w="med" len="med"/>
+                      <a:tailEnd type="none" w="med" len="med"/>
+                    </a:lnL>
+                    <a:lnR w="19050" cap="flat" cmpd="sng" algn="ctr">
+                      <a:solidFill>
+                        <a:schemeClr val="tx1"/>
+                      </a:solidFill>
+                      <a:prstDash val="solid"/>
+                      <a:round/>
+                      <a:headEnd type="none" w="med" len="med"/>
+                      <a:tailEnd type="none" w="med" len="med"/>
+                    </a:lnR>
+                    <a:lnT w="19050" cap="flat" cmpd="sng" algn="ctr">
+                      <a:solidFill>
+                        <a:schemeClr val="tx1"/>
+                      </a:solidFill>
+                      <a:prstDash val="solid"/>
+                      <a:round/>
+                      <a:headEnd type="none" w="med" len="med"/>
+                      <a:tailEnd type="none" w="med" len="med"/>
+                    </a:lnT>
+                    <a:lnB w="19050" cap="flat" cmpd="sng" algn="ctr">
+                      <a:solidFill>
+                        <a:schemeClr val="tx1"/>
+                      </a:solidFill>
+                      <a:prstDash val="solid"/>
+                      <a:round/>
+                      <a:headEnd type="none" w="med" len="med"/>
+                      <a:tailEnd type="none" w="med" len="med"/>
+                    </a:lnB>
+                  </a:tcPr>
+                </a:tc>
+              </a:tr>
+              <a:tr h="370840">
+                <a:tc>
+                  <a:txBody>
+                    <a:bodyPr/>
+                    <a:lstStyle/>
+                    <a:p>
+                      <a:pPr latinLnBrk="1"/>
+                      <a:r>
+                        <a:rPr lang="en-US" altLang="ko-KR" sz="1400" dirty="0" smtClean="0"/>
+                        <a:t>192.168.2.10</a:t>
+                      </a:r>
+                      <a:endParaRPr lang="ko-KR" altLang="en-US" sz="1400" dirty="0"/>
+                    </a:p>
+                  </a:txBody>
+                  <a:tcPr>
+                    <a:lnL w="19050" cap="flat" cmpd="sng" algn="ctr">
+                      <a:solidFill>
+                        <a:schemeClr val="tx1"/>
+                      </a:solidFill>
+                      <a:prstDash val="solid"/>
+                      <a:round/>
+                      <a:headEnd type="none" w="med" len="med"/>
+                      <a:tailEnd type="none" w="med" len="med"/>
+                    </a:lnL>
+                    <a:lnR w="19050" cap="flat" cmpd="sng" algn="ctr">
+                      <a:solidFill>
+                        <a:schemeClr val="tx1"/>
+                      </a:solidFill>
+                      <a:prstDash val="solid"/>
+                      <a:round/>
+                      <a:headEnd type="none" w="med" len="med"/>
+                      <a:tailEnd type="none" w="med" len="med"/>
+                    </a:lnR>
+                    <a:lnT w="19050" cap="flat" cmpd="sng" algn="ctr">
+                      <a:solidFill>
+                        <a:schemeClr val="tx1"/>
+                      </a:solidFill>
+                      <a:prstDash val="solid"/>
+                      <a:round/>
+                      <a:headEnd type="none" w="med" len="med"/>
+                      <a:tailEnd type="none" w="med" len="med"/>
+                    </a:lnT>
+                    <a:lnB w="19050" cap="flat" cmpd="sng" algn="ctr">
+                      <a:solidFill>
+                        <a:schemeClr val="tx1"/>
+                      </a:solidFill>
+                      <a:prstDash val="solid"/>
+                      <a:round/>
+                      <a:headEnd type="none" w="med" len="med"/>
+                      <a:tailEnd type="none" w="med" len="med"/>
+                    </a:lnB>
+                  </a:tcPr>
+                </a:tc>
+                <a:tc>
+                  <a:txBody>
+                    <a:bodyPr/>
+                    <a:lstStyle/>
+                    <a:p>
+                      <a:pPr latinLnBrk="1"/>
+                      <a:r>
+                        <a:rPr lang="en-US" altLang="ko-KR" sz="1400" dirty="0" err="1" smtClean="0"/>
+                        <a:t>calixxx</a:t>
+                      </a:r>
+                      <a:endParaRPr lang="ko-KR" altLang="en-US" sz="1400" dirty="0"/>
+                    </a:p>
+                  </a:txBody>
+                  <a:tcPr>
+                    <a:lnL w="19050" cap="flat" cmpd="sng" algn="ctr">
+                      <a:solidFill>
+                        <a:schemeClr val="tx1"/>
+                      </a:solidFill>
+                      <a:prstDash val="solid"/>
+                      <a:round/>
+                      <a:headEnd type="none" w="med" len="med"/>
+                      <a:tailEnd type="none" w="med" len="med"/>
+                    </a:lnL>
+                    <a:lnR w="19050" cap="flat" cmpd="sng" algn="ctr">
+                      <a:solidFill>
+                        <a:schemeClr val="tx1"/>
+                      </a:solidFill>
+                      <a:prstDash val="solid"/>
+                      <a:round/>
+                      <a:headEnd type="none" w="med" len="med"/>
+                      <a:tailEnd type="none" w="med" len="med"/>
+                    </a:lnR>
+                    <a:lnT w="19050" cap="flat" cmpd="sng" algn="ctr">
+                      <a:solidFill>
+                        <a:schemeClr val="tx1"/>
+                      </a:solidFill>
+                      <a:prstDash val="solid"/>
+                      <a:round/>
+                      <a:headEnd type="none" w="med" len="med"/>
+                      <a:tailEnd type="none" w="med" len="med"/>
+                    </a:lnT>
+                    <a:lnB w="19050" cap="flat" cmpd="sng" algn="ctr">
+                      <a:solidFill>
+                        <a:schemeClr val="tx1"/>
+                      </a:solidFill>
+                      <a:prstDash val="solid"/>
+                      <a:round/>
+                      <a:headEnd type="none" w="med" len="med"/>
+                      <a:tailEnd type="none" w="med" len="med"/>
+                    </a:lnB>
+                  </a:tcPr>
+                </a:tc>
+              </a:tr>
+            </a:tbl>
+          </a:graphicData>
+        </a:graphic>
+      </p:graphicFrame>
+      <p:sp>
+        <p:nvSpPr>
+          <p:cNvPr id="7" name="모서리가 둥근 직사각형 44">
+            <a:extLst>
+              <a:ext uri="{FF2B5EF4-FFF2-40B4-BE49-F238E27FC236}">
+                <a16:creationId xmlns:a16="http://schemas.microsoft.com/office/drawing/2014/main" xmlns="" id="{2DBA49E2-5203-48AC-9D0B-4B3C58EE231E}"/>
+              </a:ext>
+            </a:extLst>
+          </p:cNvPr>
+          <p:cNvSpPr/>
+          <p:nvPr/>
+        </p:nvSpPr>
+        <p:spPr>
+          <a:xfrm>
+            <a:off x="1043608" y="1347614"/>
+            <a:ext cx="1296144" cy="360040"/>
+          </a:xfrm>
+          <a:prstGeom prst="roundRect">
+            <a:avLst>
+              <a:gd name="adj" fmla="val 6195"/>
+            </a:avLst>
+          </a:prstGeom>
+          <a:ln/>
+        </p:spPr>
+        <p:style>
+          <a:lnRef idx="2">
+            <a:schemeClr val="dk1"/>
+          </a:lnRef>
+          <a:fillRef idx="1">
+            <a:schemeClr val="lt1"/>
+          </a:fillRef>
+          <a:effectRef idx="0">
+            <a:schemeClr val="dk1"/>
+          </a:effectRef>
+          <a:fontRef idx="minor">
+            <a:schemeClr val="dk1"/>
+          </a:fontRef>
+        </p:style>
+        <p:txBody>
+          <a:bodyPr rtlCol="0" anchor="ctr"/>
+          <a:lstStyle/>
+          <a:p>
+            <a:pPr algn="ctr"/>
+            <a:r>
+              <a:rPr lang="en-US" altLang="ko-KR" sz="1400" dirty="0" err="1" smtClean="0"/>
+              <a:t>eth0</a:t>
+            </a:r>
+            <a:endParaRPr lang="ko-KR" altLang="en-US" sz="1400" dirty="0"/>
+          </a:p>
+        </p:txBody>
+      </p:sp>
+      <p:sp>
+        <p:nvSpPr>
+          <p:cNvPr id="8" name="모서리가 둥근 직사각형 44">
+            <a:extLst>
+              <a:ext uri="{FF2B5EF4-FFF2-40B4-BE49-F238E27FC236}">
+                <a16:creationId xmlns:a16="http://schemas.microsoft.com/office/drawing/2014/main" xmlns="" id="{2DBA49E2-5203-48AC-9D0B-4B3C58EE231E}"/>
+              </a:ext>
+            </a:extLst>
+          </p:cNvPr>
+          <p:cNvSpPr/>
+          <p:nvPr/>
+        </p:nvSpPr>
+        <p:spPr>
+          <a:xfrm>
+            <a:off x="1043608" y="1851670"/>
+            <a:ext cx="1296144" cy="360040"/>
+          </a:xfrm>
+          <a:prstGeom prst="roundRect">
+            <a:avLst>
+              <a:gd name="adj" fmla="val 6195"/>
+            </a:avLst>
+          </a:prstGeom>
+          <a:ln/>
+        </p:spPr>
+        <p:style>
+          <a:lnRef idx="2">
+            <a:schemeClr val="dk1"/>
+          </a:lnRef>
+          <a:fillRef idx="1">
+            <a:schemeClr val="lt1"/>
+          </a:fillRef>
+          <a:effectRef idx="0">
+            <a:schemeClr val="dk1"/>
+          </a:effectRef>
+          <a:fontRef idx="minor">
+            <a:schemeClr val="dk1"/>
+          </a:fontRef>
+        </p:style>
+        <p:txBody>
+          <a:bodyPr rtlCol="0" anchor="ctr"/>
+          <a:lstStyle/>
+          <a:p>
+            <a:pPr algn="ctr"/>
+            <a:r>
+              <a:rPr lang="en-US" altLang="ko-KR" sz="1400" dirty="0" err="1" smtClean="0"/>
+              <a:t>calixxx</a:t>
+            </a:r>
+            <a:endParaRPr lang="ko-KR" altLang="en-US" sz="1400" dirty="0"/>
+          </a:p>
+        </p:txBody>
+      </p:sp>
+      <p:cxnSp>
+        <p:nvCxnSpPr>
+          <p:cNvPr id="10" name="직선 연결선 9"/>
+          <p:cNvCxnSpPr>
+            <a:stCxn id="7" idx="2"/>
+            <a:endCxn id="8" idx="0"/>
+          </p:cNvCxnSpPr>
+          <p:nvPr/>
+        </p:nvCxnSpPr>
+        <p:spPr>
+          <a:xfrm>
+            <a:off x="1691680" y="1707654"/>
+            <a:ext cx="0" cy="144016"/>
+          </a:xfrm>
+          <a:prstGeom prst="line">
+            <a:avLst/>
+          </a:prstGeom>
+          <a:ln w="19050">
+            <a:solidFill>
+              <a:schemeClr val="tx1"/>
+            </a:solidFill>
+          </a:ln>
+        </p:spPr>
+        <p:style>
+          <a:lnRef idx="1">
+            <a:schemeClr val="accent1"/>
+          </a:lnRef>
+          <a:fillRef idx="0">
+            <a:schemeClr val="accent1"/>
+          </a:fillRef>
+          <a:effectRef idx="0">
+            <a:schemeClr val="accent1"/>
+          </a:effectRef>
+          <a:fontRef idx="minor">
+            <a:schemeClr val="tx1"/>
+          </a:fontRef>
+        </p:style>
+      </p:cxnSp>
+      <p:sp>
+        <p:nvSpPr>
+          <p:cNvPr id="11" name="모서리가 둥근 직사각형 44">
+            <a:extLst>
+              <a:ext uri="{FF2B5EF4-FFF2-40B4-BE49-F238E27FC236}">
+                <a16:creationId xmlns:a16="http://schemas.microsoft.com/office/drawing/2014/main" xmlns="" id="{2DBA49E2-5203-48AC-9D0B-4B3C58EE231E}"/>
+              </a:ext>
+            </a:extLst>
+          </p:cNvPr>
+          <p:cNvSpPr/>
+          <p:nvPr/>
+        </p:nvSpPr>
+        <p:spPr>
+          <a:xfrm>
+            <a:off x="2123728" y="1378094"/>
+            <a:ext cx="1676975" cy="288032"/>
+          </a:xfrm>
+          <a:prstGeom prst="roundRect">
+            <a:avLst>
+              <a:gd name="adj" fmla="val 6195"/>
+            </a:avLst>
+          </a:prstGeom>
+          <a:noFill/>
+          <a:ln>
+            <a:noFill/>
+          </a:ln>
+        </p:spPr>
+        <p:style>
+          <a:lnRef idx="2">
+            <a:schemeClr val="dk1"/>
+          </a:lnRef>
+          <a:fillRef idx="1">
+            <a:schemeClr val="lt1"/>
+          </a:fillRef>
+          <a:effectRef idx="0">
+            <a:schemeClr val="dk1"/>
+          </a:effectRef>
+          <a:fontRef idx="minor">
+            <a:schemeClr val="dk1"/>
+          </a:fontRef>
+        </p:style>
+        <p:txBody>
+          <a:bodyPr rtlCol="0" anchor="ctr"/>
+          <a:lstStyle/>
+          <a:p>
+            <a:pPr algn="ctr"/>
+            <a:r>
+              <a:rPr lang="en-US" altLang="ko-KR" sz="1400" dirty="0" smtClean="0"/>
+              <a:t>192.168.2.10</a:t>
+            </a:r>
+            <a:endParaRPr lang="ko-KR" altLang="en-US" sz="1400" dirty="0"/>
+          </a:p>
+        </p:txBody>
+      </p:sp>
+      <p:sp>
+        <p:nvSpPr>
+          <p:cNvPr id="13" name="모서리가 둥근 직사각형 44">
+            <a:extLst>
+              <a:ext uri="{FF2B5EF4-FFF2-40B4-BE49-F238E27FC236}">
+                <a16:creationId xmlns:a16="http://schemas.microsoft.com/office/drawing/2014/main" xmlns="" id="{2DBA49E2-5203-48AC-9D0B-4B3C58EE231E}"/>
+              </a:ext>
+            </a:extLst>
+          </p:cNvPr>
+          <p:cNvSpPr/>
+          <p:nvPr/>
+        </p:nvSpPr>
+        <p:spPr>
+          <a:xfrm>
+            <a:off x="2843808" y="3651870"/>
+            <a:ext cx="1296144" cy="360040"/>
+          </a:xfrm>
+          <a:prstGeom prst="roundRect">
+            <a:avLst>
+              <a:gd name="adj" fmla="val 6195"/>
+            </a:avLst>
+          </a:prstGeom>
+          <a:ln/>
+        </p:spPr>
+        <p:style>
+          <a:lnRef idx="2">
+            <a:schemeClr val="dk1"/>
+          </a:lnRef>
+          <a:fillRef idx="1">
+            <a:schemeClr val="lt1"/>
+          </a:fillRef>
+          <a:effectRef idx="0">
+            <a:schemeClr val="dk1"/>
+          </a:effectRef>
+          <a:fontRef idx="minor">
+            <a:schemeClr val="dk1"/>
+          </a:fontRef>
+        </p:style>
+        <p:txBody>
+          <a:bodyPr rtlCol="0" anchor="ctr"/>
+          <a:lstStyle/>
+          <a:p>
+            <a:pPr algn="ctr"/>
+            <a:r>
+              <a:rPr lang="en-US" altLang="ko-KR" sz="1400" dirty="0" err="1" smtClean="0"/>
+              <a:t>eth0</a:t>
+            </a:r>
+            <a:endParaRPr lang="ko-KR" altLang="en-US" sz="1400" dirty="0"/>
+          </a:p>
+        </p:txBody>
+      </p:sp>
+      <p:sp>
+        <p:nvSpPr>
+          <p:cNvPr id="14" name="모서리가 둥근 직사각형 44">
+            <a:extLst>
+              <a:ext uri="{FF2B5EF4-FFF2-40B4-BE49-F238E27FC236}">
+                <a16:creationId xmlns:a16="http://schemas.microsoft.com/office/drawing/2014/main" xmlns="" id="{2DBA49E2-5203-48AC-9D0B-4B3C58EE231E}"/>
+              </a:ext>
+            </a:extLst>
+          </p:cNvPr>
+          <p:cNvSpPr/>
+          <p:nvPr/>
+        </p:nvSpPr>
+        <p:spPr>
+          <a:xfrm>
+            <a:off x="5004048" y="843558"/>
+            <a:ext cx="3456384" cy="3528392"/>
+          </a:xfrm>
+          <a:prstGeom prst="roundRect">
+            <a:avLst>
+              <a:gd name="adj" fmla="val 2406"/>
+            </a:avLst>
+          </a:prstGeom>
+          <a:ln/>
+        </p:spPr>
+        <p:style>
+          <a:lnRef idx="2">
+            <a:schemeClr val="dk1"/>
+          </a:lnRef>
+          <a:fillRef idx="1">
+            <a:schemeClr val="lt1"/>
+          </a:fillRef>
+          <a:effectRef idx="0">
+            <a:schemeClr val="dk1"/>
+          </a:effectRef>
+          <a:fontRef idx="minor">
+            <a:schemeClr val="dk1"/>
+          </a:fontRef>
+        </p:style>
+        <p:txBody>
+          <a:bodyPr rtlCol="0" anchor="b"/>
+          <a:lstStyle/>
+          <a:p>
+            <a:pPr algn="r"/>
+            <a:r>
+              <a:rPr lang="en-US" altLang="ko-KR" sz="1600" b="1" dirty="0" smtClean="0"/>
+              <a:t>Node </a:t>
+            </a:r>
+          </a:p>
+          <a:p>
+            <a:pPr algn="r"/>
+            <a:r>
+              <a:rPr lang="en-US" altLang="ko-KR" sz="1600" b="1" dirty="0" smtClean="0"/>
+              <a:t>(192.168.3.0/24)</a:t>
+            </a:r>
+            <a:endParaRPr lang="ko-KR" altLang="en-US" sz="1600" b="1" dirty="0"/>
+          </a:p>
+        </p:txBody>
+      </p:sp>
+      <p:sp>
+        <p:nvSpPr>
+          <p:cNvPr id="15" name="모서리가 둥근 직사각형 44">
+            <a:extLst>
+              <a:ext uri="{FF2B5EF4-FFF2-40B4-BE49-F238E27FC236}">
+                <a16:creationId xmlns:a16="http://schemas.microsoft.com/office/drawing/2014/main" xmlns="" id="{2DBA49E2-5203-48AC-9D0B-4B3C58EE231E}"/>
+              </a:ext>
+            </a:extLst>
+          </p:cNvPr>
+          <p:cNvSpPr/>
+          <p:nvPr/>
+        </p:nvSpPr>
+        <p:spPr>
+          <a:xfrm>
+            <a:off x="5148064" y="987574"/>
+            <a:ext cx="3168352" cy="720080"/>
+          </a:xfrm>
+          <a:prstGeom prst="roundRect">
+            <a:avLst>
+              <a:gd name="adj" fmla="val 6195"/>
+            </a:avLst>
+          </a:prstGeom>
+          <a:ln/>
+        </p:spPr>
+        <p:style>
+          <a:lnRef idx="2">
+            <a:schemeClr val="dk1"/>
+          </a:lnRef>
+          <a:fillRef idx="1">
+            <a:schemeClr val="lt1"/>
+          </a:fillRef>
+          <a:effectRef idx="0">
+            <a:schemeClr val="dk1"/>
+          </a:effectRef>
+          <a:fontRef idx="minor">
+            <a:schemeClr val="dk1"/>
+          </a:fontRef>
+        </p:style>
+        <p:txBody>
+          <a:bodyPr rtlCol="0" anchor="t"/>
+          <a:lstStyle/>
+          <a:p>
+            <a:pPr algn="ctr"/>
+            <a:r>
+              <a:rPr lang="en-US" altLang="ko-KR" sz="1600" dirty="0" smtClean="0"/>
+              <a:t>Container B </a:t>
+            </a:r>
+            <a:endParaRPr lang="ko-KR" altLang="en-US" sz="1600" dirty="0"/>
+          </a:p>
+        </p:txBody>
+      </p:sp>
+      <p:graphicFrame>
+        <p:nvGraphicFramePr>
+          <p:cNvPr id="16" name="표 15"/>
+          <p:cNvGraphicFramePr>
+            <a:graphicFrameLocks noGrp="1"/>
+          </p:cNvGraphicFramePr>
+          <p:nvPr>
+            <p:extLst>
+              <p:ext uri="{D42A27DB-BD31-4B8C-83A1-F6EECF244321}">
+                <p14:modId xmlns:p14="http://schemas.microsoft.com/office/powerpoint/2010/main" val="59699448"/>
+              </p:ext>
+            </p:extLst>
+          </p:nvPr>
+        </p:nvGraphicFramePr>
+        <p:xfrm>
+          <a:off x="5220072" y="2355726"/>
+          <a:ext cx="3024336" cy="1112520"/>
+        </p:xfrm>
+        <a:graphic>
+          <a:graphicData uri="http://schemas.openxmlformats.org/drawingml/2006/table">
+            <a:tbl>
+              <a:tblPr firstRow="1" bandRow="1">
+                <a:tableStyleId>{2D5ABB26-0587-4C30-8999-92F81FD0307C}</a:tableStyleId>
+              </a:tblPr>
+              <a:tblGrid>
+                <a:gridCol w="1512168"/>
+                <a:gridCol w="1512168"/>
+              </a:tblGrid>
+              <a:tr h="370840">
+                <a:tc>
+                  <a:txBody>
+                    <a:bodyPr/>
+                    <a:lstStyle/>
+                    <a:p>
+                      <a:pPr latinLnBrk="1"/>
+                      <a:r>
+                        <a:rPr lang="en-US" altLang="ko-KR" sz="1400" dirty="0" smtClean="0"/>
+                        <a:t>10.0.0.1/24</a:t>
+                      </a:r>
+                      <a:endParaRPr lang="ko-KR" altLang="en-US" sz="1400" dirty="0"/>
+                    </a:p>
+                  </a:txBody>
+                  <a:tcPr>
+                    <a:lnL w="19050" cap="flat" cmpd="sng" algn="ctr">
+                      <a:solidFill>
+                        <a:schemeClr val="tx1"/>
+                      </a:solidFill>
+                      <a:prstDash val="solid"/>
+                      <a:round/>
+                      <a:headEnd type="none" w="med" len="med"/>
+                      <a:tailEnd type="none" w="med" len="med"/>
+                    </a:lnL>
+                    <a:lnR w="19050" cap="flat" cmpd="sng" algn="ctr">
+                      <a:solidFill>
+                        <a:schemeClr val="tx1"/>
+                      </a:solidFill>
+                      <a:prstDash val="solid"/>
+                      <a:round/>
+                      <a:headEnd type="none" w="med" len="med"/>
+                      <a:tailEnd type="none" w="med" len="med"/>
+                    </a:lnR>
+                    <a:lnT w="19050" cap="flat" cmpd="sng" algn="ctr">
+                      <a:solidFill>
+                        <a:schemeClr val="tx1"/>
+                      </a:solidFill>
+                      <a:prstDash val="solid"/>
+                      <a:round/>
+                      <a:headEnd type="none" w="med" len="med"/>
+                      <a:tailEnd type="none" w="med" len="med"/>
+                    </a:lnT>
+                    <a:lnB w="19050" cap="flat" cmpd="sng" algn="ctr">
+                      <a:solidFill>
+                        <a:schemeClr val="tx1"/>
+                      </a:solidFill>
+                      <a:prstDash val="solid"/>
+                      <a:round/>
+                      <a:headEnd type="none" w="med" len="med"/>
+                      <a:tailEnd type="none" w="med" len="med"/>
+                    </a:lnB>
+                  </a:tcPr>
+                </a:tc>
+                <a:tc>
+                  <a:txBody>
+                    <a:bodyPr/>
+                    <a:lstStyle/>
+                    <a:p>
+                      <a:pPr latinLnBrk="1"/>
+                      <a:r>
+                        <a:rPr lang="en-US" altLang="ko-KR" sz="1400" dirty="0" err="1" smtClean="0"/>
+                        <a:t>eth0</a:t>
+                      </a:r>
+                      <a:endParaRPr lang="ko-KR" altLang="en-US" sz="1400" dirty="0"/>
+                    </a:p>
+                  </a:txBody>
+                  <a:tcPr>
+                    <a:lnL w="19050" cap="flat" cmpd="sng" algn="ctr">
+                      <a:solidFill>
+                        <a:schemeClr val="tx1"/>
+                      </a:solidFill>
+                      <a:prstDash val="solid"/>
+                      <a:round/>
+                      <a:headEnd type="none" w="med" len="med"/>
+                      <a:tailEnd type="none" w="med" len="med"/>
+                    </a:lnL>
+                    <a:lnR w="19050" cap="flat" cmpd="sng" algn="ctr">
+                      <a:solidFill>
+                        <a:schemeClr val="tx1"/>
+                      </a:solidFill>
+                      <a:prstDash val="solid"/>
+                      <a:round/>
+                      <a:headEnd type="none" w="med" len="med"/>
+                      <a:tailEnd type="none" w="med" len="med"/>
+                    </a:lnR>
+                    <a:lnT w="19050" cap="flat" cmpd="sng" algn="ctr">
+                      <a:solidFill>
+                        <a:schemeClr val="tx1"/>
+                      </a:solidFill>
+                      <a:prstDash val="solid"/>
+                      <a:round/>
+                      <a:headEnd type="none" w="med" len="med"/>
+                      <a:tailEnd type="none" w="med" len="med"/>
+                    </a:lnT>
+                    <a:lnB w="19050" cap="flat" cmpd="sng" algn="ctr">
+                      <a:solidFill>
+                        <a:schemeClr val="tx1"/>
+                      </a:solidFill>
+                      <a:prstDash val="solid"/>
+                      <a:round/>
+                      <a:headEnd type="none" w="med" len="med"/>
+                      <a:tailEnd type="none" w="med" len="med"/>
+                    </a:lnB>
+                  </a:tcPr>
+                </a:tc>
+              </a:tr>
+              <a:tr h="370840">
+                <a:tc>
+                  <a:txBody>
+                    <a:bodyPr/>
+                    <a:lstStyle/>
+                    <a:p>
+                      <a:pPr latinLnBrk="1"/>
+                      <a:r>
+                        <a:rPr lang="en-US" altLang="ko-KR" sz="1400" dirty="0" smtClean="0"/>
+                        <a:t>192.168.2.0/24</a:t>
+                      </a:r>
+                      <a:endParaRPr lang="ko-KR" altLang="en-US" sz="1400" dirty="0"/>
+                    </a:p>
+                  </a:txBody>
+                  <a:tcPr>
+                    <a:lnL w="19050" cap="flat" cmpd="sng" algn="ctr">
+                      <a:solidFill>
+                        <a:schemeClr val="tx1"/>
+                      </a:solidFill>
+                      <a:prstDash val="solid"/>
+                      <a:round/>
+                      <a:headEnd type="none" w="med" len="med"/>
+                      <a:tailEnd type="none" w="med" len="med"/>
+                    </a:lnL>
+                    <a:lnR w="19050" cap="flat" cmpd="sng" algn="ctr">
+                      <a:solidFill>
+                        <a:schemeClr val="tx1"/>
+                      </a:solidFill>
+                      <a:prstDash val="solid"/>
+                      <a:round/>
+                      <a:headEnd type="none" w="med" len="med"/>
+                      <a:tailEnd type="none" w="med" len="med"/>
+                    </a:lnR>
+                    <a:lnT w="19050" cap="flat" cmpd="sng" algn="ctr">
+                      <a:solidFill>
+                        <a:schemeClr val="tx1"/>
+                      </a:solidFill>
+                      <a:prstDash val="solid"/>
+                      <a:round/>
+                      <a:headEnd type="none" w="med" len="med"/>
+                      <a:tailEnd type="none" w="med" len="med"/>
+                    </a:lnT>
+                    <a:lnB w="19050" cap="flat" cmpd="sng" algn="ctr">
+                      <a:solidFill>
+                        <a:schemeClr val="tx1"/>
+                      </a:solidFill>
+                      <a:prstDash val="solid"/>
+                      <a:round/>
+                      <a:headEnd type="none" w="med" len="med"/>
+                      <a:tailEnd type="none" w="med" len="med"/>
+                    </a:lnB>
+                  </a:tcPr>
+                </a:tc>
+                <a:tc>
+                  <a:txBody>
+                    <a:bodyPr/>
+                    <a:lstStyle/>
+                    <a:p>
+                      <a:pPr latinLnBrk="1"/>
+                      <a:r>
+                        <a:rPr lang="en-US" altLang="ko-KR" sz="1400" dirty="0" err="1" smtClean="0"/>
+                        <a:t>tunl0</a:t>
+                      </a:r>
+                      <a:endParaRPr lang="ko-KR" altLang="en-US" sz="1400" dirty="0"/>
+                    </a:p>
+                  </a:txBody>
+                  <a:tcPr>
+                    <a:lnL w="19050" cap="flat" cmpd="sng" algn="ctr">
+                      <a:solidFill>
+                        <a:schemeClr val="tx1"/>
+                      </a:solidFill>
+                      <a:prstDash val="solid"/>
+                      <a:round/>
+                      <a:headEnd type="none" w="med" len="med"/>
+                      <a:tailEnd type="none" w="med" len="med"/>
+                    </a:lnL>
+                    <a:lnR w="19050" cap="flat" cmpd="sng" algn="ctr">
+                      <a:solidFill>
+                        <a:schemeClr val="tx1"/>
+                      </a:solidFill>
+                      <a:prstDash val="solid"/>
+                      <a:round/>
+                      <a:headEnd type="none" w="med" len="med"/>
+                      <a:tailEnd type="none" w="med" len="med"/>
+                    </a:lnR>
+                    <a:lnT w="19050" cap="flat" cmpd="sng" algn="ctr">
+                      <a:solidFill>
+                        <a:schemeClr val="tx1"/>
+                      </a:solidFill>
+                      <a:prstDash val="solid"/>
+                      <a:round/>
+                      <a:headEnd type="none" w="med" len="med"/>
+                      <a:tailEnd type="none" w="med" len="med"/>
+                    </a:lnT>
+                    <a:lnB w="19050" cap="flat" cmpd="sng" algn="ctr">
+                      <a:solidFill>
+                        <a:schemeClr val="tx1"/>
+                      </a:solidFill>
+                      <a:prstDash val="solid"/>
+                      <a:round/>
+                      <a:headEnd type="none" w="med" len="med"/>
+                      <a:tailEnd type="none" w="med" len="med"/>
+                    </a:lnB>
+                  </a:tcPr>
+                </a:tc>
+              </a:tr>
+              <a:tr h="370840">
+                <a:tc>
+                  <a:txBody>
+                    <a:bodyPr/>
+                    <a:lstStyle/>
+                    <a:p>
+                      <a:pPr latinLnBrk="1"/>
+                      <a:r>
+                        <a:rPr lang="en-US" altLang="ko-KR" sz="1400" dirty="0" smtClean="0"/>
+                        <a:t>192.168.3.10</a:t>
+                      </a:r>
+                      <a:endParaRPr lang="ko-KR" altLang="en-US" sz="1400" dirty="0"/>
+                    </a:p>
+                  </a:txBody>
+                  <a:tcPr>
+                    <a:lnL w="19050" cap="flat" cmpd="sng" algn="ctr">
+                      <a:solidFill>
+                        <a:schemeClr val="tx1"/>
+                      </a:solidFill>
+                      <a:prstDash val="solid"/>
+                      <a:round/>
+                      <a:headEnd type="none" w="med" len="med"/>
+                      <a:tailEnd type="none" w="med" len="med"/>
+                    </a:lnL>
+                    <a:lnR w="19050" cap="flat" cmpd="sng" algn="ctr">
+                      <a:solidFill>
+                        <a:schemeClr val="tx1"/>
+                      </a:solidFill>
+                      <a:prstDash val="solid"/>
+                      <a:round/>
+                      <a:headEnd type="none" w="med" len="med"/>
+                      <a:tailEnd type="none" w="med" len="med"/>
+                    </a:lnR>
+                    <a:lnT w="19050" cap="flat" cmpd="sng" algn="ctr">
+                      <a:solidFill>
+                        <a:schemeClr val="tx1"/>
+                      </a:solidFill>
+                      <a:prstDash val="solid"/>
+                      <a:round/>
+                      <a:headEnd type="none" w="med" len="med"/>
+                      <a:tailEnd type="none" w="med" len="med"/>
+                    </a:lnT>
+                    <a:lnB w="19050" cap="flat" cmpd="sng" algn="ctr">
+                      <a:solidFill>
+                        <a:schemeClr val="tx1"/>
+                      </a:solidFill>
+                      <a:prstDash val="solid"/>
+                      <a:round/>
+                      <a:headEnd type="none" w="med" len="med"/>
+                      <a:tailEnd type="none" w="med" len="med"/>
+                    </a:lnB>
+                  </a:tcPr>
+                </a:tc>
+                <a:tc>
+                  <a:txBody>
+                    <a:bodyPr/>
+                    <a:lstStyle/>
+                    <a:p>
+                      <a:pPr latinLnBrk="1"/>
+                      <a:r>
+                        <a:rPr lang="en-US" altLang="ko-KR" sz="1400" dirty="0" err="1" smtClean="0"/>
+                        <a:t>caliyyy</a:t>
+                      </a:r>
+                      <a:endParaRPr lang="ko-KR" altLang="en-US" sz="1400" dirty="0"/>
+                    </a:p>
+                  </a:txBody>
+                  <a:tcPr>
+                    <a:lnL w="19050" cap="flat" cmpd="sng" algn="ctr">
+                      <a:solidFill>
+                        <a:schemeClr val="tx1"/>
+                      </a:solidFill>
+                      <a:prstDash val="solid"/>
+                      <a:round/>
+                      <a:headEnd type="none" w="med" len="med"/>
+                      <a:tailEnd type="none" w="med" len="med"/>
+                    </a:lnL>
+                    <a:lnR w="19050" cap="flat" cmpd="sng" algn="ctr">
+                      <a:solidFill>
+                        <a:schemeClr val="tx1"/>
+                      </a:solidFill>
+                      <a:prstDash val="solid"/>
+                      <a:round/>
+                      <a:headEnd type="none" w="med" len="med"/>
+                      <a:tailEnd type="none" w="med" len="med"/>
+                    </a:lnR>
+                    <a:lnT w="19050" cap="flat" cmpd="sng" algn="ctr">
+                      <a:solidFill>
+                        <a:schemeClr val="tx1"/>
+                      </a:solidFill>
+                      <a:prstDash val="solid"/>
+                      <a:round/>
+                      <a:headEnd type="none" w="med" len="med"/>
+                      <a:tailEnd type="none" w="med" len="med"/>
+                    </a:lnT>
+                    <a:lnB w="19050" cap="flat" cmpd="sng" algn="ctr">
+                      <a:solidFill>
+                        <a:schemeClr val="tx1"/>
+                      </a:solidFill>
+                      <a:prstDash val="solid"/>
+                      <a:round/>
+                      <a:headEnd type="none" w="med" len="med"/>
+                      <a:tailEnd type="none" w="med" len="med"/>
+                    </a:lnB>
+                  </a:tcPr>
+                </a:tc>
+              </a:tr>
+            </a:tbl>
+          </a:graphicData>
+        </a:graphic>
+      </p:graphicFrame>
+      <p:sp>
+        <p:nvSpPr>
+          <p:cNvPr id="17" name="모서리가 둥근 직사각형 44">
+            <a:extLst>
+              <a:ext uri="{FF2B5EF4-FFF2-40B4-BE49-F238E27FC236}">
+                <a16:creationId xmlns:a16="http://schemas.microsoft.com/office/drawing/2014/main" xmlns="" id="{2DBA49E2-5203-48AC-9D0B-4B3C58EE231E}"/>
+              </a:ext>
+            </a:extLst>
+          </p:cNvPr>
+          <p:cNvSpPr/>
+          <p:nvPr/>
+        </p:nvSpPr>
+        <p:spPr>
+          <a:xfrm>
+            <a:off x="5364088" y="1347614"/>
+            <a:ext cx="1296144" cy="360040"/>
+          </a:xfrm>
+          <a:prstGeom prst="roundRect">
+            <a:avLst>
+              <a:gd name="adj" fmla="val 6195"/>
+            </a:avLst>
+          </a:prstGeom>
+          <a:ln/>
+        </p:spPr>
+        <p:style>
+          <a:lnRef idx="2">
+            <a:schemeClr val="dk1"/>
+          </a:lnRef>
+          <a:fillRef idx="1">
+            <a:schemeClr val="lt1"/>
+          </a:fillRef>
+          <a:effectRef idx="0">
+            <a:schemeClr val="dk1"/>
+          </a:effectRef>
+          <a:fontRef idx="minor">
+            <a:schemeClr val="dk1"/>
+          </a:fontRef>
+        </p:style>
+        <p:txBody>
+          <a:bodyPr rtlCol="0" anchor="ctr"/>
+          <a:lstStyle/>
+          <a:p>
+            <a:pPr algn="ctr"/>
+            <a:r>
+              <a:rPr lang="en-US" altLang="ko-KR" sz="1400" dirty="0" err="1" smtClean="0"/>
+              <a:t>eth0</a:t>
+            </a:r>
+            <a:endParaRPr lang="ko-KR" altLang="en-US" sz="1400" dirty="0"/>
+          </a:p>
+        </p:txBody>
+      </p:sp>
+      <p:sp>
+        <p:nvSpPr>
+          <p:cNvPr id="18" name="모서리가 둥근 직사각형 44">
+            <a:extLst>
+              <a:ext uri="{FF2B5EF4-FFF2-40B4-BE49-F238E27FC236}">
+                <a16:creationId xmlns:a16="http://schemas.microsoft.com/office/drawing/2014/main" xmlns="" id="{2DBA49E2-5203-48AC-9D0B-4B3C58EE231E}"/>
+              </a:ext>
+            </a:extLst>
+          </p:cNvPr>
+          <p:cNvSpPr/>
+          <p:nvPr/>
+        </p:nvSpPr>
+        <p:spPr>
+          <a:xfrm>
+            <a:off x="5364088" y="1851670"/>
+            <a:ext cx="1296144" cy="360040"/>
+          </a:xfrm>
+          <a:prstGeom prst="roundRect">
+            <a:avLst>
+              <a:gd name="adj" fmla="val 6195"/>
+            </a:avLst>
+          </a:prstGeom>
+          <a:ln/>
+        </p:spPr>
+        <p:style>
+          <a:lnRef idx="2">
+            <a:schemeClr val="dk1"/>
+          </a:lnRef>
+          <a:fillRef idx="1">
+            <a:schemeClr val="lt1"/>
+          </a:fillRef>
+          <a:effectRef idx="0">
+            <a:schemeClr val="dk1"/>
+          </a:effectRef>
+          <a:fontRef idx="minor">
+            <a:schemeClr val="dk1"/>
+          </a:fontRef>
+        </p:style>
+        <p:txBody>
+          <a:bodyPr rtlCol="0" anchor="ctr"/>
+          <a:lstStyle/>
+          <a:p>
+            <a:pPr algn="ctr"/>
+            <a:r>
+              <a:rPr lang="en-US" altLang="ko-KR" sz="1400" dirty="0" err="1" smtClean="0"/>
+              <a:t>caliyyy</a:t>
+            </a:r>
+            <a:endParaRPr lang="ko-KR" altLang="en-US" sz="1400" dirty="0"/>
+          </a:p>
+        </p:txBody>
+      </p:sp>
+      <p:cxnSp>
+        <p:nvCxnSpPr>
+          <p:cNvPr id="19" name="직선 연결선 18"/>
+          <p:cNvCxnSpPr>
+            <a:stCxn id="17" idx="2"/>
+            <a:endCxn id="18" idx="0"/>
+          </p:cNvCxnSpPr>
+          <p:nvPr/>
+        </p:nvCxnSpPr>
+        <p:spPr>
+          <a:xfrm>
+            <a:off x="6012160" y="1707654"/>
+            <a:ext cx="0" cy="144016"/>
+          </a:xfrm>
+          <a:prstGeom prst="line">
+            <a:avLst/>
+          </a:prstGeom>
+          <a:ln w="19050">
+            <a:solidFill>
+              <a:schemeClr val="tx1"/>
+            </a:solidFill>
+          </a:ln>
+        </p:spPr>
+        <p:style>
+          <a:lnRef idx="1">
+            <a:schemeClr val="accent1"/>
+          </a:lnRef>
+          <a:fillRef idx="0">
+            <a:schemeClr val="accent1"/>
+          </a:fillRef>
+          <a:effectRef idx="0">
+            <a:schemeClr val="accent1"/>
+          </a:effectRef>
+          <a:fontRef idx="minor">
+            <a:schemeClr val="tx1"/>
+          </a:fontRef>
+        </p:style>
+      </p:cxnSp>
+      <p:sp>
+        <p:nvSpPr>
+          <p:cNvPr id="20" name="모서리가 둥근 직사각형 44">
+            <a:extLst>
+              <a:ext uri="{FF2B5EF4-FFF2-40B4-BE49-F238E27FC236}">
+                <a16:creationId xmlns:a16="http://schemas.microsoft.com/office/drawing/2014/main" xmlns="" id="{2DBA49E2-5203-48AC-9D0B-4B3C58EE231E}"/>
+              </a:ext>
+            </a:extLst>
+          </p:cNvPr>
+          <p:cNvSpPr/>
+          <p:nvPr/>
+        </p:nvSpPr>
+        <p:spPr>
+          <a:xfrm>
+            <a:off x="6444208" y="1378094"/>
+            <a:ext cx="1676975" cy="288032"/>
+          </a:xfrm>
+          <a:prstGeom prst="roundRect">
+            <a:avLst>
+              <a:gd name="adj" fmla="val 6195"/>
+            </a:avLst>
+          </a:prstGeom>
+          <a:noFill/>
+          <a:ln>
+            <a:noFill/>
+          </a:ln>
+        </p:spPr>
+        <p:style>
+          <a:lnRef idx="2">
+            <a:schemeClr val="dk1"/>
+          </a:lnRef>
+          <a:fillRef idx="1">
+            <a:schemeClr val="lt1"/>
+          </a:fillRef>
+          <a:effectRef idx="0">
+            <a:schemeClr val="dk1"/>
+          </a:effectRef>
+          <a:fontRef idx="minor">
+            <a:schemeClr val="dk1"/>
+          </a:fontRef>
+        </p:style>
+        <p:txBody>
+          <a:bodyPr rtlCol="0" anchor="ctr"/>
+          <a:lstStyle/>
+          <a:p>
+            <a:pPr algn="ctr"/>
+            <a:r>
+              <a:rPr lang="en-US" altLang="ko-KR" sz="1400" dirty="0" smtClean="0"/>
+              <a:t>192.168.3.10</a:t>
+            </a:r>
+            <a:endParaRPr lang="ko-KR" altLang="en-US" sz="1400" dirty="0"/>
+          </a:p>
+        </p:txBody>
+      </p:sp>
+      <p:sp>
+        <p:nvSpPr>
+          <p:cNvPr id="21" name="모서리가 둥근 직사각형 44">
+            <a:extLst>
+              <a:ext uri="{FF2B5EF4-FFF2-40B4-BE49-F238E27FC236}">
+                <a16:creationId xmlns:a16="http://schemas.microsoft.com/office/drawing/2014/main" xmlns="" id="{2DBA49E2-5203-48AC-9D0B-4B3C58EE231E}"/>
+              </a:ext>
+            </a:extLst>
+          </p:cNvPr>
+          <p:cNvSpPr/>
+          <p:nvPr/>
+        </p:nvSpPr>
+        <p:spPr>
+          <a:xfrm>
+            <a:off x="5004048" y="3651870"/>
+            <a:ext cx="1296144" cy="360040"/>
+          </a:xfrm>
+          <a:prstGeom prst="roundRect">
+            <a:avLst>
+              <a:gd name="adj" fmla="val 6195"/>
+            </a:avLst>
+          </a:prstGeom>
+          <a:ln/>
+        </p:spPr>
+        <p:style>
+          <a:lnRef idx="2">
+            <a:schemeClr val="dk1"/>
+          </a:lnRef>
+          <a:fillRef idx="1">
+            <a:schemeClr val="lt1"/>
+          </a:fillRef>
+          <a:effectRef idx="0">
+            <a:schemeClr val="dk1"/>
+          </a:effectRef>
+          <a:fontRef idx="minor">
+            <a:schemeClr val="dk1"/>
+          </a:fontRef>
+        </p:style>
+        <p:txBody>
+          <a:bodyPr rtlCol="0" anchor="ctr"/>
+          <a:lstStyle/>
+          <a:p>
+            <a:pPr algn="ctr"/>
+            <a:r>
+              <a:rPr lang="en-US" altLang="ko-KR" sz="1400" dirty="0" err="1" smtClean="0"/>
+              <a:t>eth0</a:t>
+            </a:r>
+            <a:endParaRPr lang="ko-KR" altLang="en-US" sz="1400" dirty="0"/>
+          </a:p>
+        </p:txBody>
+      </p:sp>
+      <p:cxnSp>
+        <p:nvCxnSpPr>
+          <p:cNvPr id="23" name="직선 연결선 22"/>
+          <p:cNvCxnSpPr>
+            <a:stCxn id="21" idx="1"/>
+            <a:endCxn id="13" idx="3"/>
+          </p:cNvCxnSpPr>
+          <p:nvPr/>
+        </p:nvCxnSpPr>
+        <p:spPr>
+          <a:xfrm flipH="1">
+            <a:off x="4139952" y="3831890"/>
+            <a:ext cx="864096" cy="0"/>
+          </a:xfrm>
+          <a:prstGeom prst="line">
+            <a:avLst/>
+          </a:prstGeom>
+          <a:ln w="19050">
+            <a:solidFill>
+              <a:schemeClr val="tx1"/>
+            </a:solidFill>
+            <a:prstDash val="solid"/>
+          </a:ln>
+        </p:spPr>
+        <p:style>
+          <a:lnRef idx="1">
+            <a:schemeClr val="accent1"/>
+          </a:lnRef>
+          <a:fillRef idx="0">
+            <a:schemeClr val="accent1"/>
+          </a:fillRef>
+          <a:effectRef idx="0">
+            <a:schemeClr val="accent1"/>
+          </a:effectRef>
+          <a:fontRef idx="minor">
+            <a:schemeClr val="tx1"/>
+          </a:fontRef>
+        </p:style>
+      </p:cxnSp>
+      <p:sp>
+        <p:nvSpPr>
+          <p:cNvPr id="27" name="모서리가 둥근 직사각형 44">
+            <a:extLst>
+              <a:ext uri="{FF2B5EF4-FFF2-40B4-BE49-F238E27FC236}">
+                <a16:creationId xmlns:a16="http://schemas.microsoft.com/office/drawing/2014/main" xmlns="" id="{2DBA49E2-5203-48AC-9D0B-4B3C58EE231E}"/>
+              </a:ext>
+            </a:extLst>
+          </p:cNvPr>
+          <p:cNvSpPr/>
+          <p:nvPr/>
+        </p:nvSpPr>
+        <p:spPr>
+          <a:xfrm>
+            <a:off x="2653392" y="4003124"/>
+            <a:ext cx="1676975" cy="288032"/>
+          </a:xfrm>
+          <a:prstGeom prst="roundRect">
+            <a:avLst>
+              <a:gd name="adj" fmla="val 6195"/>
+            </a:avLst>
+          </a:prstGeom>
+          <a:noFill/>
+          <a:ln>
+            <a:noFill/>
+          </a:ln>
+        </p:spPr>
+        <p:style>
+          <a:lnRef idx="2">
+            <a:schemeClr val="dk1"/>
+          </a:lnRef>
+          <a:fillRef idx="1">
+            <a:schemeClr val="lt1"/>
+          </a:fillRef>
+          <a:effectRef idx="0">
+            <a:schemeClr val="dk1"/>
+          </a:effectRef>
+          <a:fontRef idx="minor">
+            <a:schemeClr val="dk1"/>
+          </a:fontRef>
+        </p:style>
+        <p:txBody>
+          <a:bodyPr rtlCol="0" anchor="ctr"/>
+          <a:lstStyle/>
+          <a:p>
+            <a:pPr algn="ctr"/>
+            <a:r>
+              <a:rPr lang="en-US" altLang="ko-KR" sz="1400" dirty="0" smtClean="0"/>
+              <a:t>10.0.0.20</a:t>
+            </a:r>
+            <a:endParaRPr lang="ko-KR" altLang="en-US" sz="1400" dirty="0"/>
+          </a:p>
+        </p:txBody>
+      </p:sp>
+      <p:sp>
+        <p:nvSpPr>
+          <p:cNvPr id="30" name="모서리가 둥근 직사각형 44">
+            <a:extLst>
+              <a:ext uri="{FF2B5EF4-FFF2-40B4-BE49-F238E27FC236}">
+                <a16:creationId xmlns:a16="http://schemas.microsoft.com/office/drawing/2014/main" xmlns="" id="{2DBA49E2-5203-48AC-9D0B-4B3C58EE231E}"/>
+              </a:ext>
+            </a:extLst>
+          </p:cNvPr>
+          <p:cNvSpPr/>
+          <p:nvPr/>
+        </p:nvSpPr>
+        <p:spPr>
+          <a:xfrm>
+            <a:off x="4813632" y="4003124"/>
+            <a:ext cx="1676975" cy="288032"/>
+          </a:xfrm>
+          <a:prstGeom prst="roundRect">
+            <a:avLst>
+              <a:gd name="adj" fmla="val 6195"/>
+            </a:avLst>
+          </a:prstGeom>
+          <a:noFill/>
+          <a:ln>
+            <a:noFill/>
+          </a:ln>
+        </p:spPr>
+        <p:style>
+          <a:lnRef idx="2">
+            <a:schemeClr val="dk1"/>
+          </a:lnRef>
+          <a:fillRef idx="1">
+            <a:schemeClr val="lt1"/>
+          </a:fillRef>
+          <a:effectRef idx="0">
+            <a:schemeClr val="dk1"/>
+          </a:effectRef>
+          <a:fontRef idx="minor">
+            <a:schemeClr val="dk1"/>
+          </a:fontRef>
+        </p:style>
+        <p:txBody>
+          <a:bodyPr rtlCol="0" anchor="ctr"/>
+          <a:lstStyle/>
+          <a:p>
+            <a:pPr algn="ctr"/>
+            <a:r>
+              <a:rPr lang="en-US" altLang="ko-KR" sz="1400" dirty="0" smtClean="0"/>
+              <a:t>10.0.0.30</a:t>
+            </a:r>
+            <a:endParaRPr lang="ko-KR" altLang="en-US" sz="1400" dirty="0"/>
+          </a:p>
+        </p:txBody>
+      </p:sp>
+      <p:sp>
+        <p:nvSpPr>
+          <p:cNvPr id="31" name="모서리가 둥근 직사각형 44">
+            <a:extLst>
+              <a:ext uri="{FF2B5EF4-FFF2-40B4-BE49-F238E27FC236}">
+                <a16:creationId xmlns:a16="http://schemas.microsoft.com/office/drawing/2014/main" xmlns="" id="{2DBA49E2-5203-48AC-9D0B-4B3C58EE231E}"/>
+              </a:ext>
+            </a:extLst>
+          </p:cNvPr>
+          <p:cNvSpPr/>
+          <p:nvPr/>
+        </p:nvSpPr>
+        <p:spPr>
+          <a:xfrm>
+            <a:off x="683568" y="4443958"/>
+            <a:ext cx="3356356" cy="432048"/>
+          </a:xfrm>
+          <a:prstGeom prst="roundRect">
+            <a:avLst>
+              <a:gd name="adj" fmla="val 6195"/>
+            </a:avLst>
+          </a:prstGeom>
+          <a:noFill/>
+          <a:ln>
+            <a:noFill/>
+          </a:ln>
+        </p:spPr>
+        <p:style>
+          <a:lnRef idx="2">
+            <a:schemeClr val="dk1"/>
+          </a:lnRef>
+          <a:fillRef idx="1">
+            <a:schemeClr val="lt1"/>
+          </a:fillRef>
+          <a:effectRef idx="0">
+            <a:schemeClr val="dk1"/>
+          </a:effectRef>
+          <a:fontRef idx="minor">
+            <a:schemeClr val="dk1"/>
+          </a:fontRef>
+        </p:style>
+        <p:txBody>
+          <a:bodyPr rtlCol="0" anchor="ctr"/>
+          <a:lstStyle/>
+          <a:p>
+            <a:pPr marL="285750" indent="-285750">
+              <a:buFont typeface="Arial" pitchFamily="34" charset="0"/>
+              <a:buChar char="•"/>
+            </a:pPr>
+            <a:r>
+              <a:rPr lang="en-US" altLang="ko-KR" sz="1400" dirty="0" smtClean="0"/>
+              <a:t>Node Network : 10.0.0.0/24</a:t>
+            </a:r>
+          </a:p>
+          <a:p>
+            <a:pPr marL="285750" indent="-285750">
+              <a:buFont typeface="Arial" pitchFamily="34" charset="0"/>
+              <a:buChar char="•"/>
+            </a:pPr>
+            <a:r>
+              <a:rPr lang="en-US" altLang="ko-KR" sz="1400" dirty="0" smtClean="0"/>
+              <a:t>Container Network 192.168.0.0/24</a:t>
+            </a:r>
+            <a:endParaRPr lang="ko-KR" altLang="en-US" sz="1400" dirty="0"/>
           </a:p>
         </p:txBody>
       </p:sp>
